--- a/英语/2014级_高三年级/luo/作文/中餐馆邀请.pptx
+++ b/英语/2014级_高三年级/luo/作文/中餐馆邀请.pptx
@@ -8,7 +8,8 @@
     <p:sldId id="256" r:id="rId2"/>
     <p:sldId id="257" r:id="rId3"/>
     <p:sldId id="258" r:id="rId4"/>
-    <p:sldId id="259" r:id="rId5"/>
+    <p:sldId id="260" r:id="rId5"/>
+    <p:sldId id="259" r:id="rId6"/>
   </p:sldIdLst>
   <p:sldSz cx="9144000" cy="6858000" type="screen4x3"/>
   <p:notesSz cx="6858000" cy="9144000"/>
@@ -291,7 +292,7 @@
           <a:p>
             <a:fld id="{530820CF-B880-4189-942D-D702A7CBA730}" type="datetimeFigureOut">
               <a:rPr lang="zh-CN" altLang="en-US" smtClean="0"/>
-              <a:t>2016-10-18</a:t>
+              <a:t>2016-10-23</a:t>
             </a:fld>
             <a:endParaRPr lang="zh-CN" altLang="en-US"/>
           </a:p>
@@ -456,7 +457,7 @@
           <a:p>
             <a:fld id="{530820CF-B880-4189-942D-D702A7CBA730}" type="datetimeFigureOut">
               <a:rPr lang="zh-CN" altLang="en-US" smtClean="0"/>
-              <a:t>2016-10-18</a:t>
+              <a:t>2016-10-23</a:t>
             </a:fld>
             <a:endParaRPr lang="zh-CN" altLang="en-US"/>
           </a:p>
@@ -631,7 +632,7 @@
           <a:p>
             <a:fld id="{530820CF-B880-4189-942D-D702A7CBA730}" type="datetimeFigureOut">
               <a:rPr lang="zh-CN" altLang="en-US" smtClean="0"/>
-              <a:t>2016-10-18</a:t>
+              <a:t>2016-10-23</a:t>
             </a:fld>
             <a:endParaRPr lang="zh-CN" altLang="en-US"/>
           </a:p>
@@ -796,7 +797,7 @@
           <a:p>
             <a:fld id="{530820CF-B880-4189-942D-D702A7CBA730}" type="datetimeFigureOut">
               <a:rPr lang="zh-CN" altLang="en-US" smtClean="0"/>
-              <a:t>2016-10-18</a:t>
+              <a:t>2016-10-23</a:t>
             </a:fld>
             <a:endParaRPr lang="zh-CN" altLang="en-US"/>
           </a:p>
@@ -1037,7 +1038,7 @@
           <a:p>
             <a:fld id="{530820CF-B880-4189-942D-D702A7CBA730}" type="datetimeFigureOut">
               <a:rPr lang="zh-CN" altLang="en-US" smtClean="0"/>
-              <a:t>2016-10-18</a:t>
+              <a:t>2016-10-23</a:t>
             </a:fld>
             <a:endParaRPr lang="zh-CN" altLang="en-US"/>
           </a:p>
@@ -1320,7 +1321,7 @@
           <a:p>
             <a:fld id="{530820CF-B880-4189-942D-D702A7CBA730}" type="datetimeFigureOut">
               <a:rPr lang="zh-CN" altLang="en-US" smtClean="0"/>
-              <a:t>2016-10-18</a:t>
+              <a:t>2016-10-23</a:t>
             </a:fld>
             <a:endParaRPr lang="zh-CN" altLang="en-US"/>
           </a:p>
@@ -1737,7 +1738,7 @@
           <a:p>
             <a:fld id="{530820CF-B880-4189-942D-D702A7CBA730}" type="datetimeFigureOut">
               <a:rPr lang="zh-CN" altLang="en-US" smtClean="0"/>
-              <a:t>2016-10-18</a:t>
+              <a:t>2016-10-23</a:t>
             </a:fld>
             <a:endParaRPr lang="zh-CN" altLang="en-US"/>
           </a:p>
@@ -1850,7 +1851,7 @@
           <a:p>
             <a:fld id="{530820CF-B880-4189-942D-D702A7CBA730}" type="datetimeFigureOut">
               <a:rPr lang="zh-CN" altLang="en-US" smtClean="0"/>
-              <a:t>2016-10-18</a:t>
+              <a:t>2016-10-23</a:t>
             </a:fld>
             <a:endParaRPr lang="zh-CN" altLang="en-US"/>
           </a:p>
@@ -1940,7 +1941,7 @@
           <a:p>
             <a:fld id="{530820CF-B880-4189-942D-D702A7CBA730}" type="datetimeFigureOut">
               <a:rPr lang="zh-CN" altLang="en-US" smtClean="0"/>
-              <a:t>2016-10-18</a:t>
+              <a:t>2016-10-23</a:t>
             </a:fld>
             <a:endParaRPr lang="zh-CN" altLang="en-US"/>
           </a:p>
@@ -2212,7 +2213,7 @@
           <a:p>
             <a:fld id="{530820CF-B880-4189-942D-D702A7CBA730}" type="datetimeFigureOut">
               <a:rPr lang="zh-CN" altLang="en-US" smtClean="0"/>
-              <a:t>2016-10-18</a:t>
+              <a:t>2016-10-23</a:t>
             </a:fld>
             <a:endParaRPr lang="zh-CN" altLang="en-US"/>
           </a:p>
@@ -2460,7 +2461,7 @@
           <a:p>
             <a:fld id="{530820CF-B880-4189-942D-D702A7CBA730}" type="datetimeFigureOut">
               <a:rPr lang="zh-CN" altLang="en-US" smtClean="0"/>
-              <a:t>2016-10-18</a:t>
+              <a:t>2016-10-23</a:t>
             </a:fld>
             <a:endParaRPr lang="zh-CN" altLang="en-US"/>
           </a:p>
@@ -2668,7 +2669,7 @@
           <a:p>
             <a:fld id="{530820CF-B880-4189-942D-D702A7CBA730}" type="datetimeFigureOut">
               <a:rPr lang="zh-CN" altLang="en-US" smtClean="0"/>
-              <a:t>2016-10-18</a:t>
+              <a:t>2016-10-23</a:t>
             </a:fld>
             <a:endParaRPr lang="zh-CN" altLang="en-US"/>
           </a:p>
@@ -3489,10 +3490,25 @@
             <a:r>
               <a:rPr lang="en-US" altLang="zh-CN" sz="2000" b="1" dirty="0" smtClean="0">
                 <a:solidFill>
+                  <a:srgbClr val="FF0000"/>
+                </a:solidFill>
+                <a:effectLst>
+                  <a:outerShdw blurRad="38100" dist="38100" dir="2700000" algn="tl">
+                    <a:srgbClr val="000000">
+                      <a:alpha val="43137"/>
+                    </a:srgbClr>
+                  </a:outerShdw>
+                </a:effectLst>
+              </a:rPr>
+              <a:t>Compared with </a:t>
+            </a:r>
+            <a:r>
+              <a:rPr lang="en-US" altLang="zh-CN" sz="2000" b="1" dirty="0" smtClean="0">
+                <a:solidFill>
                   <a:srgbClr val="0070C0"/>
                 </a:solidFill>
               </a:rPr>
-              <a:t>Compared with the fast food you usually consume, Chinese food is undoubtedly more healthier…</a:t>
+              <a:t>the fast food you usually consume, Chinese food is undoubtedly more healthier…</a:t>
             </a:r>
           </a:p>
           <a:p>
@@ -3544,8 +3560,37 @@
                   <a:srgbClr val="0070C0"/>
                 </a:solidFill>
               </a:rPr>
-              <a:t>(environment, price, service…)</a:t>
-            </a:r>
+              <a:t>(environment, price, </a:t>
+            </a:r>
+            <a:r>
+              <a:rPr lang="en-US" altLang="zh-CN" sz="2000" b="1" dirty="0" smtClean="0">
+                <a:solidFill>
+                  <a:srgbClr val="0070C0"/>
+                </a:solidFill>
+              </a:rPr>
+              <a:t>service</a:t>
+            </a:r>
+            <a:r>
+              <a:rPr lang="en-US" altLang="zh-CN" sz="2000" b="1" dirty="0" smtClean="0">
+                <a:solidFill>
+                  <a:srgbClr val="0070C0"/>
+                </a:solidFill>
+              </a:rPr>
+              <a:t>, decoration, characteristic</a:t>
+            </a:r>
+            <a:r>
+              <a:rPr lang="en-US" altLang="zh-CN" sz="2000" b="1" dirty="0" smtClean="0">
+                <a:solidFill>
+                  <a:srgbClr val="0070C0"/>
+                </a:solidFill>
+              </a:rPr>
+              <a:t>…)</a:t>
+            </a:r>
+            <a:endParaRPr lang="en-US" altLang="zh-CN" sz="2000" b="1" dirty="0" smtClean="0">
+              <a:solidFill>
+                <a:srgbClr val="0070C0"/>
+              </a:solidFill>
+            </a:endParaRPr>
           </a:p>
           <a:p>
             <a:pPr marL="342900" indent="-342900">
@@ -4141,6 +4186,135 @@
         <p:spPr>
           <a:xfrm>
             <a:off x="179512" y="188640"/>
+            <a:ext cx="8964488" cy="4154984"/>
+          </a:xfrm>
+          <a:prstGeom prst="rect">
+            <a:avLst/>
+          </a:prstGeom>
+          <a:noFill/>
+        </p:spPr>
+        <p:txBody>
+          <a:bodyPr wrap="square" rtlCol="0">
+            <a:spAutoFit/>
+          </a:bodyPr>
+          <a:lstStyle/>
+          <a:p>
+            <a:pPr marL="342900" indent="-342900">
+              <a:buFont typeface="Arial" panose="020B0604020202020204" pitchFamily="34" charset="0"/>
+              <a:buChar char="•"/>
+            </a:pPr>
+            <a:r>
+              <a:rPr lang="en-US" altLang="zh-CN" sz="2400" dirty="0" smtClean="0">
+                <a:solidFill>
+                  <a:prstClr val="black"/>
+                </a:solidFill>
+              </a:rPr>
+              <a:t>I am writing to you for I had a lunch in a new Chinese restaurant near our school yesterday and I was impressed by the delicious food in it so I want to invite you to have a meal with me there.</a:t>
+            </a:r>
+          </a:p>
+          <a:p>
+            <a:pPr marL="342900" indent="-342900">
+              <a:buFont typeface="Arial" panose="020B0604020202020204" pitchFamily="34" charset="0"/>
+              <a:buChar char="•"/>
+            </a:pPr>
+            <a:endParaRPr lang="en-US" altLang="zh-CN" sz="2400" dirty="0">
+              <a:solidFill>
+                <a:prstClr val="black"/>
+              </a:solidFill>
+            </a:endParaRPr>
+          </a:p>
+          <a:p>
+            <a:pPr marL="342900" indent="-342900">
+              <a:buFont typeface="Arial" panose="020B0604020202020204" pitchFamily="34" charset="0"/>
+              <a:buChar char="•"/>
+            </a:pPr>
+            <a:r>
+              <a:rPr lang="en-US" altLang="zh-CN" sz="2400" dirty="0" smtClean="0">
+                <a:solidFill>
+                  <a:prstClr val="black"/>
+                </a:solidFill>
+              </a:rPr>
+              <a:t>Knowing that a new Chinese restaurant was opened near our school, I am writing to you to invite you to go there with me as I have been told that the food there tastes well.</a:t>
+            </a:r>
+          </a:p>
+          <a:p>
+            <a:pPr marL="342900" indent="-342900">
+              <a:buFont typeface="Arial" panose="020B0604020202020204" pitchFamily="34" charset="0"/>
+              <a:buChar char="•"/>
+            </a:pPr>
+            <a:endParaRPr lang="en-US" altLang="zh-CN" sz="2400" dirty="0">
+              <a:solidFill>
+                <a:prstClr val="black"/>
+              </a:solidFill>
+            </a:endParaRPr>
+          </a:p>
+          <a:p>
+            <a:pPr marL="342900" indent="-342900">
+              <a:buFont typeface="Arial" panose="020B0604020202020204" pitchFamily="34" charset="0"/>
+              <a:buChar char="•"/>
+            </a:pPr>
+            <a:r>
+              <a:rPr lang="en-US" altLang="zh-CN" sz="2400" dirty="0" smtClean="0">
+                <a:solidFill>
+                  <a:prstClr val="black"/>
+                </a:solidFill>
+              </a:rPr>
+              <a:t>As a new Chinese restaurant whose food actually tastes good was opened several days ago near our school, I am writing to know whether you are willing to try it with me.</a:t>
+            </a:r>
+            <a:endParaRPr lang="zh-CN" altLang="en-US" sz="2400" dirty="0">
+              <a:solidFill>
+                <a:prstClr val="black"/>
+              </a:solidFill>
+            </a:endParaRPr>
+          </a:p>
+        </p:txBody>
+      </p:sp>
+    </p:spTree>
+    <p:extLst>
+      <p:ext uri="{BB962C8B-B14F-4D97-AF65-F5344CB8AC3E}">
+        <p14:creationId xmlns:p14="http://schemas.microsoft.com/office/powerpoint/2010/main" val="2940301271"/>
+      </p:ext>
+    </p:extLst>
+  </p:cSld>
+  <p:clrMapOvr>
+    <a:masterClrMapping/>
+  </p:clrMapOvr>
+  <p:timing>
+    <p:tnLst>
+      <p:par>
+        <p:cTn id="1" dur="indefinite" restart="never" nodeType="tmRoot"/>
+      </p:par>
+    </p:tnLst>
+  </p:timing>
+</p:sld>
+</file>
+
+<file path=ppt/slides/slide5.xml><?xml version="1.0" encoding="utf-8"?>
+<p:sld xmlns:a="http://schemas.openxmlformats.org/drawingml/2006/main" xmlns:r="http://schemas.openxmlformats.org/officeDocument/2006/relationships" xmlns:p="http://schemas.openxmlformats.org/presentationml/2006/main">
+  <p:cSld>
+    <p:spTree>
+      <p:nvGrpSpPr>
+        <p:cNvPr id="1" name=""/>
+        <p:cNvGrpSpPr/>
+        <p:nvPr/>
+      </p:nvGrpSpPr>
+      <p:grpSpPr>
+        <a:xfrm>
+          <a:off x="0" y="0"/>
+          <a:ext cx="0" cy="0"/>
+          <a:chOff x="0" y="0"/>
+          <a:chExt cx="0" cy="0"/>
+        </a:xfrm>
+      </p:grpSpPr>
+      <p:sp>
+        <p:nvSpPr>
+          <p:cNvPr id="2" name="TextBox 1"/>
+          <p:cNvSpPr txBox="1"/>
+          <p:nvPr/>
+        </p:nvSpPr>
+        <p:spPr>
+          <a:xfrm>
+            <a:off x="179512" y="188640"/>
             <a:ext cx="8964488" cy="5262979"/>
           </a:xfrm>
           <a:prstGeom prst="rect">
